--- a/Rapport d'activité/ppt_GenieLogiciel.pptx
+++ b/Rapport d'activité/ppt_GenieLogiciel.pptx
@@ -138,7 +138,7 @@
           <p:cNvPr id="2" name="Titre 1">
             <a:extLst>
               <a:ext uri="{FF2B5EF4-FFF2-40B4-BE49-F238E27FC236}">
-                <a16:creationId xmlns:a16="http://schemas.microsoft.com/office/drawing/2014/main" id="{96E92883-FEC9-49F0-8E52-3460DE6A6451}"/>
+                <a16:creationId xmlns:a16="http://schemas.microsoft.com/office/drawing/2014/main" id="{95D82011-69AD-4BDE-A56B-73F50244F5F1}"/>
               </a:ext>
             </a:extLst>
           </p:cNvPr>
@@ -166,7 +166,7 @@
           <p:cNvPr id="3" name="Espace réservé de la date 2">
             <a:extLst>
               <a:ext uri="{FF2B5EF4-FFF2-40B4-BE49-F238E27FC236}">
-                <a16:creationId xmlns:a16="http://schemas.microsoft.com/office/drawing/2014/main" id="{B37D4303-E503-4D7E-8A18-90B07DC93D34}"/>
+                <a16:creationId xmlns:a16="http://schemas.microsoft.com/office/drawing/2014/main" id="{EF7A5165-AC0B-4984-AF79-DCB05C915291}"/>
               </a:ext>
             </a:extLst>
           </p:cNvPr>
@@ -182,7 +182,7 @@
           <a:bodyPr/>
           <a:lstStyle/>
           <a:p>
-            <a:fld id="{D5EAD6F8-C595-4FF6-AE81-EFD418765E60}" type="datetimeFigureOut">
+            <a:fld id="{820A2F42-AF92-42DD-AEF3-90A7A45BAF0E}" type="datetimeFigureOut">
               <a:rPr lang="fr-FR" smtClean="0"/>
               <a:t>05/03/2019</a:t>
             </a:fld>
@@ -195,7 +195,7 @@
           <p:cNvPr id="4" name="Espace réservé du pied de page 3">
             <a:extLst>
               <a:ext uri="{FF2B5EF4-FFF2-40B4-BE49-F238E27FC236}">
-                <a16:creationId xmlns:a16="http://schemas.microsoft.com/office/drawing/2014/main" id="{4352FD69-A864-4F80-9E5A-550D5031F971}"/>
+                <a16:creationId xmlns:a16="http://schemas.microsoft.com/office/drawing/2014/main" id="{5A78F2C3-D220-4C46-BF62-B6335DFF6562}"/>
               </a:ext>
             </a:extLst>
           </p:cNvPr>
@@ -220,7 +220,7 @@
           <p:cNvPr id="5" name="Espace réservé du numéro de diapositive 4">
             <a:extLst>
               <a:ext uri="{FF2B5EF4-FFF2-40B4-BE49-F238E27FC236}">
-                <a16:creationId xmlns:a16="http://schemas.microsoft.com/office/drawing/2014/main" id="{F67C03A5-0491-40EA-8BEE-9934CE6F146A}"/>
+                <a16:creationId xmlns:a16="http://schemas.microsoft.com/office/drawing/2014/main" id="{F7B1C36A-CB86-4BFD-98A3-53BEEB91532F}"/>
               </a:ext>
             </a:extLst>
           </p:cNvPr>
@@ -236,7 +236,7 @@
           <a:bodyPr/>
           <a:lstStyle/>
           <a:p>
-            <a:fld id="{03B146A9-4875-44EA-88B7-61AB9D7E4508}" type="slidenum">
+            <a:fld id="{D0050D60-E41A-4B0A-BFA1-4867A7F728D7}" type="slidenum">
               <a:rPr lang="fr-FR" smtClean="0"/>
               <a:t>‹N°›</a:t>
             </a:fld>
@@ -247,7 +247,7 @@
     </p:spTree>
     <p:extLst>
       <p:ext uri="{BB962C8B-B14F-4D97-AF65-F5344CB8AC3E}">
-        <p14:creationId xmlns:p14="http://schemas.microsoft.com/office/powerpoint/2010/main" val="814983008"/>
+        <p14:creationId xmlns:p14="http://schemas.microsoft.com/office/powerpoint/2010/main" val="1132339933"/>
       </p:ext>
     </p:extLst>
   </p:cSld>
@@ -284,7 +284,7 @@
           <p:cNvPr id="2" name="Espace réservé du titre 1">
             <a:extLst>
               <a:ext uri="{FF2B5EF4-FFF2-40B4-BE49-F238E27FC236}">
-                <a16:creationId xmlns:a16="http://schemas.microsoft.com/office/drawing/2014/main" id="{B55943C3-12E9-4A8D-B70A-DFF6B8765995}"/>
+                <a16:creationId xmlns:a16="http://schemas.microsoft.com/office/drawing/2014/main" id="{8D1AB03D-052C-4E15-A630-7BAE89855554}"/>
               </a:ext>
             </a:extLst>
           </p:cNvPr>
@@ -322,7 +322,7 @@
           <p:cNvPr id="3" name="Espace réservé du texte 2">
             <a:extLst>
               <a:ext uri="{FF2B5EF4-FFF2-40B4-BE49-F238E27FC236}">
-                <a16:creationId xmlns:a16="http://schemas.microsoft.com/office/drawing/2014/main" id="{9DE7B3DB-EE1F-42E4-8557-17D62C28E8C4}"/>
+                <a16:creationId xmlns:a16="http://schemas.microsoft.com/office/drawing/2014/main" id="{9A336B5E-6BF9-4896-A21B-64DEF9E81CEF}"/>
               </a:ext>
             </a:extLst>
           </p:cNvPr>
@@ -389,7 +389,7 @@
           <p:cNvPr id="4" name="Espace réservé de la date 3">
             <a:extLst>
               <a:ext uri="{FF2B5EF4-FFF2-40B4-BE49-F238E27FC236}">
-                <a16:creationId xmlns:a16="http://schemas.microsoft.com/office/drawing/2014/main" id="{54790229-45CF-4D7D-963A-A23EC466AA77}"/>
+                <a16:creationId xmlns:a16="http://schemas.microsoft.com/office/drawing/2014/main" id="{492381A2-EBDD-4F45-B0E7-C81FE00E0A6C}"/>
               </a:ext>
             </a:extLst>
           </p:cNvPr>
@@ -423,7 +423,7 @@
             </a:lvl1pPr>
           </a:lstStyle>
           <a:p>
-            <a:fld id="{D5EAD6F8-C595-4FF6-AE81-EFD418765E60}" type="datetimeFigureOut">
+            <a:fld id="{820A2F42-AF92-42DD-AEF3-90A7A45BAF0E}" type="datetimeFigureOut">
               <a:rPr lang="fr-FR" smtClean="0"/>
               <a:t>05/03/2019</a:t>
             </a:fld>
@@ -436,7 +436,7 @@
           <p:cNvPr id="5" name="Espace réservé du pied de page 4">
             <a:extLst>
               <a:ext uri="{FF2B5EF4-FFF2-40B4-BE49-F238E27FC236}">
-                <a16:creationId xmlns:a16="http://schemas.microsoft.com/office/drawing/2014/main" id="{6FC3FB0B-B9AA-4339-8721-F505F75CCF03}"/>
+                <a16:creationId xmlns:a16="http://schemas.microsoft.com/office/drawing/2014/main" id="{53B8C881-5902-4ADE-BD69-F2CC79C8D97D}"/>
               </a:ext>
             </a:extLst>
           </p:cNvPr>
@@ -479,7 +479,7 @@
           <p:cNvPr id="6" name="Espace réservé du numéro de diapositive 5">
             <a:extLst>
               <a:ext uri="{FF2B5EF4-FFF2-40B4-BE49-F238E27FC236}">
-                <a16:creationId xmlns:a16="http://schemas.microsoft.com/office/drawing/2014/main" id="{60202F24-2CC3-4A23-90E8-9C738D2E15F0}"/>
+                <a16:creationId xmlns:a16="http://schemas.microsoft.com/office/drawing/2014/main" id="{44C8B4A7-3DE0-4332-9011-264401F12695}"/>
               </a:ext>
             </a:extLst>
           </p:cNvPr>
@@ -513,7 +513,7 @@
             </a:lvl1pPr>
           </a:lstStyle>
           <a:p>
-            <a:fld id="{03B146A9-4875-44EA-88B7-61AB9D7E4508}" type="slidenum">
+            <a:fld id="{D0050D60-E41A-4B0A-BFA1-4867A7F728D7}" type="slidenum">
               <a:rPr lang="fr-FR" smtClean="0"/>
               <a:t>‹N°›</a:t>
             </a:fld>
@@ -524,7 +524,7 @@
     </p:spTree>
     <p:extLst>
       <p:ext uri="{BB962C8B-B14F-4D97-AF65-F5344CB8AC3E}">
-        <p14:creationId xmlns:p14="http://schemas.microsoft.com/office/powerpoint/2010/main" val="3336094230"/>
+        <p14:creationId xmlns:p14="http://schemas.microsoft.com/office/powerpoint/2010/main" val="66677288"/>
       </p:ext>
     </p:extLst>
   </p:cSld>
@@ -843,7 +843,7 @@
           <p:cNvPr id="2" name="Titre 1" hidden="1">
             <a:extLst>
               <a:ext uri="{FF2B5EF4-FFF2-40B4-BE49-F238E27FC236}">
-                <a16:creationId xmlns:a16="http://schemas.microsoft.com/office/drawing/2014/main" id="{D14DDF1A-F3FF-4790-8B41-ED592873948B}"/>
+                <a16:creationId xmlns:a16="http://schemas.microsoft.com/office/drawing/2014/main" id="{E5F132BC-1F63-4432-B1C7-F0A7F142ED20}"/>
               </a:ext>
             </a:extLst>
           </p:cNvPr>
@@ -868,7 +868,7 @@
           <p:cNvPr id="3" name="Image 2">
             <a:extLst>
               <a:ext uri="{FF2B5EF4-FFF2-40B4-BE49-F238E27FC236}">
-                <a16:creationId xmlns:a16="http://schemas.microsoft.com/office/drawing/2014/main" id="{5CF97051-F5D0-498A-B3D6-9C52A1ADAEF3}"/>
+                <a16:creationId xmlns:a16="http://schemas.microsoft.com/office/drawing/2014/main" id="{71BCBFE1-06E6-466D-AE7E-28872B7B2D05}"/>
               </a:ext>
             </a:extLst>
           </p:cNvPr>
@@ -894,7 +894,7 @@
     </p:spTree>
     <p:extLst>
       <p:ext uri="{BB962C8B-B14F-4D97-AF65-F5344CB8AC3E}">
-        <p14:creationId xmlns:p14="http://schemas.microsoft.com/office/powerpoint/2010/main" val="2400945487"/>
+        <p14:creationId xmlns:p14="http://schemas.microsoft.com/office/powerpoint/2010/main" val="3418795343"/>
       </p:ext>
     </p:extLst>
   </p:cSld>
@@ -932,7 +932,7 @@
           <p:cNvPr id="2" name="Titre 1" hidden="1">
             <a:extLst>
               <a:ext uri="{FF2B5EF4-FFF2-40B4-BE49-F238E27FC236}">
-                <a16:creationId xmlns:a16="http://schemas.microsoft.com/office/drawing/2014/main" id="{C0811CE1-385B-4499-A20B-6061CBB86666}"/>
+                <a16:creationId xmlns:a16="http://schemas.microsoft.com/office/drawing/2014/main" id="{24A80DDA-2B8F-40E3-9ADC-C8AA4EDA4D30}"/>
               </a:ext>
             </a:extLst>
           </p:cNvPr>
@@ -953,7 +953,6 @@
               <a:rPr lang="fr-FR"/>
               <a:t>Gestion des évolutions et maintenance logicielle</a:t>
             </a:r>
-            <a:endParaRPr lang="fr-FR" dirty="0"/>
           </a:p>
         </p:txBody>
       </p:sp>
@@ -962,7 +961,7 @@
           <p:cNvPr id="3" name="Image 2">
             <a:extLst>
               <a:ext uri="{FF2B5EF4-FFF2-40B4-BE49-F238E27FC236}">
-                <a16:creationId xmlns:a16="http://schemas.microsoft.com/office/drawing/2014/main" id="{5D9B3F70-599E-4DC1-AB13-AD7D5EED89E8}"/>
+                <a16:creationId xmlns:a16="http://schemas.microsoft.com/office/drawing/2014/main" id="{963E6C00-4415-4952-981A-B58BAF65A54B}"/>
               </a:ext>
             </a:extLst>
           </p:cNvPr>
@@ -988,7 +987,7 @@
     </p:spTree>
     <p:extLst>
       <p:ext uri="{BB962C8B-B14F-4D97-AF65-F5344CB8AC3E}">
-        <p14:creationId xmlns:p14="http://schemas.microsoft.com/office/powerpoint/2010/main" val="2725138439"/>
+        <p14:creationId xmlns:p14="http://schemas.microsoft.com/office/powerpoint/2010/main" val="1556771895"/>
       </p:ext>
     </p:extLst>
   </p:cSld>
@@ -1026,7 +1025,7 @@
           <p:cNvPr id="2" name="Titre 1" hidden="1">
             <a:extLst>
               <a:ext uri="{FF2B5EF4-FFF2-40B4-BE49-F238E27FC236}">
-                <a16:creationId xmlns:a16="http://schemas.microsoft.com/office/drawing/2014/main" id="{28E90461-29EF-4000-B0A9-0D77A8AC02C4}"/>
+                <a16:creationId xmlns:a16="http://schemas.microsoft.com/office/drawing/2014/main" id="{5AD6DBE8-B0E7-41FA-A8F8-F83DE5AFC02F}"/>
               </a:ext>
             </a:extLst>
           </p:cNvPr>
@@ -1047,7 +1046,6 @@
               <a:rPr lang="fr-FR"/>
               <a:t>Processus de production</a:t>
             </a:r>
-            <a:endParaRPr lang="fr-FR" dirty="0"/>
           </a:p>
         </p:txBody>
       </p:sp>
@@ -1056,7 +1054,7 @@
           <p:cNvPr id="3" name="Image 2">
             <a:extLst>
               <a:ext uri="{FF2B5EF4-FFF2-40B4-BE49-F238E27FC236}">
-                <a16:creationId xmlns:a16="http://schemas.microsoft.com/office/drawing/2014/main" id="{0E4851B2-FD36-4870-B3DB-6FE1749A7AFB}"/>
+                <a16:creationId xmlns:a16="http://schemas.microsoft.com/office/drawing/2014/main" id="{CD05EE3D-ED7D-4A34-B816-DFF85FFBB0B3}"/>
               </a:ext>
             </a:extLst>
           </p:cNvPr>
@@ -1082,7 +1080,7 @@
     </p:spTree>
     <p:extLst>
       <p:ext uri="{BB962C8B-B14F-4D97-AF65-F5344CB8AC3E}">
-        <p14:creationId xmlns:p14="http://schemas.microsoft.com/office/powerpoint/2010/main" val="1920543760"/>
+        <p14:creationId xmlns:p14="http://schemas.microsoft.com/office/powerpoint/2010/main" val="1116052563"/>
       </p:ext>
     </p:extLst>
   </p:cSld>
@@ -1120,7 +1118,7 @@
           <p:cNvPr id="2" name="Titre 1" hidden="1">
             <a:extLst>
               <a:ext uri="{FF2B5EF4-FFF2-40B4-BE49-F238E27FC236}">
-                <a16:creationId xmlns:a16="http://schemas.microsoft.com/office/drawing/2014/main" id="{16CE56C9-35D2-41B4-BE3D-14E922BD15AA}"/>
+                <a16:creationId xmlns:a16="http://schemas.microsoft.com/office/drawing/2014/main" id="{D3D001D2-A1AE-4FA5-995F-6678AE33E5A1}"/>
               </a:ext>
             </a:extLst>
           </p:cNvPr>
@@ -1141,7 +1139,6 @@
               <a:rPr lang="fr-FR"/>
               <a:t>Organisations des équipes</a:t>
             </a:r>
-            <a:endParaRPr lang="fr-FR" dirty="0"/>
           </a:p>
         </p:txBody>
       </p:sp>
@@ -1150,7 +1147,7 @@
           <p:cNvPr id="3" name="Image 2">
             <a:extLst>
               <a:ext uri="{FF2B5EF4-FFF2-40B4-BE49-F238E27FC236}">
-                <a16:creationId xmlns:a16="http://schemas.microsoft.com/office/drawing/2014/main" id="{655BCA69-F090-465F-834A-97D00333AD72}"/>
+                <a16:creationId xmlns:a16="http://schemas.microsoft.com/office/drawing/2014/main" id="{47674574-8184-46A0-A8F1-9C6383CBA035}"/>
               </a:ext>
             </a:extLst>
           </p:cNvPr>
@@ -1176,7 +1173,7 @@
     </p:spTree>
     <p:extLst>
       <p:ext uri="{BB962C8B-B14F-4D97-AF65-F5344CB8AC3E}">
-        <p14:creationId xmlns:p14="http://schemas.microsoft.com/office/powerpoint/2010/main" val="160134562"/>
+        <p14:creationId xmlns:p14="http://schemas.microsoft.com/office/powerpoint/2010/main" val="911748133"/>
       </p:ext>
     </p:extLst>
   </p:cSld>
@@ -1214,7 +1211,7 @@
           <p:cNvPr id="2" name="Titre 1" hidden="1">
             <a:extLst>
               <a:ext uri="{FF2B5EF4-FFF2-40B4-BE49-F238E27FC236}">
-                <a16:creationId xmlns:a16="http://schemas.microsoft.com/office/drawing/2014/main" id="{EA9D98E7-42C8-488C-8EE0-072453F9721A}"/>
+                <a16:creationId xmlns:a16="http://schemas.microsoft.com/office/drawing/2014/main" id="{7F62FEF5-AFBC-427E-9822-B37CCF9D2037}"/>
               </a:ext>
             </a:extLst>
           </p:cNvPr>
@@ -1235,7 +1232,6 @@
               <a:rPr lang="fr-FR"/>
               <a:t>Méthodes et outils de spécification</a:t>
             </a:r>
-            <a:endParaRPr lang="fr-FR" dirty="0"/>
           </a:p>
         </p:txBody>
       </p:sp>
@@ -1244,7 +1240,7 @@
           <p:cNvPr id="3" name="Image 2">
             <a:extLst>
               <a:ext uri="{FF2B5EF4-FFF2-40B4-BE49-F238E27FC236}">
-                <a16:creationId xmlns:a16="http://schemas.microsoft.com/office/drawing/2014/main" id="{65DA9B92-A50E-41C1-8E89-4143C3BBAC12}"/>
+                <a16:creationId xmlns:a16="http://schemas.microsoft.com/office/drawing/2014/main" id="{A68C50DE-E863-4FC0-8874-23F88214F228}"/>
               </a:ext>
             </a:extLst>
           </p:cNvPr>
@@ -1270,7 +1266,7 @@
     </p:spTree>
     <p:extLst>
       <p:ext uri="{BB962C8B-B14F-4D97-AF65-F5344CB8AC3E}">
-        <p14:creationId xmlns:p14="http://schemas.microsoft.com/office/powerpoint/2010/main" val="1008789495"/>
+        <p14:creationId xmlns:p14="http://schemas.microsoft.com/office/powerpoint/2010/main" val="730919749"/>
       </p:ext>
     </p:extLst>
   </p:cSld>
@@ -1308,7 +1304,7 @@
           <p:cNvPr id="2" name="Titre 1" hidden="1">
             <a:extLst>
               <a:ext uri="{FF2B5EF4-FFF2-40B4-BE49-F238E27FC236}">
-                <a16:creationId xmlns:a16="http://schemas.microsoft.com/office/drawing/2014/main" id="{BB692A51-A3F5-4CA3-BC0C-5A5A3B646372}"/>
+                <a16:creationId xmlns:a16="http://schemas.microsoft.com/office/drawing/2014/main" id="{F22E6C8D-2767-47A4-9F6C-ACAEA02B5BC7}"/>
               </a:ext>
             </a:extLst>
           </p:cNvPr>
@@ -1329,7 +1325,6 @@
               <a:rPr lang="fr-FR"/>
               <a:t>Méthodes de validation</a:t>
             </a:r>
-            <a:endParaRPr lang="fr-FR" dirty="0"/>
           </a:p>
         </p:txBody>
       </p:sp>
@@ -1338,7 +1333,7 @@
           <p:cNvPr id="3" name="Image 2">
             <a:extLst>
               <a:ext uri="{FF2B5EF4-FFF2-40B4-BE49-F238E27FC236}">
-                <a16:creationId xmlns:a16="http://schemas.microsoft.com/office/drawing/2014/main" id="{F7FEAF34-E93D-4842-8D2B-DD17391CA856}"/>
+                <a16:creationId xmlns:a16="http://schemas.microsoft.com/office/drawing/2014/main" id="{69547C70-04EF-459B-9242-9DFAA94E05E0}"/>
               </a:ext>
             </a:extLst>
           </p:cNvPr>
@@ -1364,7 +1359,7 @@
     </p:spTree>
     <p:extLst>
       <p:ext uri="{BB962C8B-B14F-4D97-AF65-F5344CB8AC3E}">
-        <p14:creationId xmlns:p14="http://schemas.microsoft.com/office/powerpoint/2010/main" val="149555990"/>
+        <p14:creationId xmlns:p14="http://schemas.microsoft.com/office/powerpoint/2010/main" val="1829296130"/>
       </p:ext>
     </p:extLst>
   </p:cSld>
@@ -1402,7 +1397,7 @@
           <p:cNvPr id="2" name="Titre 1" hidden="1">
             <a:extLst>
               <a:ext uri="{FF2B5EF4-FFF2-40B4-BE49-F238E27FC236}">
-                <a16:creationId xmlns:a16="http://schemas.microsoft.com/office/drawing/2014/main" id="{9FB56EC9-BFB2-4269-BB97-4E07305E0C02}"/>
+                <a16:creationId xmlns:a16="http://schemas.microsoft.com/office/drawing/2014/main" id="{D2F2ADE1-58EF-4450-BFD7-936454CFE356}"/>
               </a:ext>
             </a:extLst>
           </p:cNvPr>
@@ -1423,7 +1418,6 @@
               <a:rPr lang="fr-FR"/>
               <a:t>Spécifications non fonctionnelles</a:t>
             </a:r>
-            <a:endParaRPr lang="fr-FR" dirty="0"/>
           </a:p>
         </p:txBody>
       </p:sp>
@@ -1432,7 +1426,7 @@
           <p:cNvPr id="3" name="Image 2">
             <a:extLst>
               <a:ext uri="{FF2B5EF4-FFF2-40B4-BE49-F238E27FC236}">
-                <a16:creationId xmlns:a16="http://schemas.microsoft.com/office/drawing/2014/main" id="{77450C28-9369-4512-AB66-B8BEFA796A57}"/>
+                <a16:creationId xmlns:a16="http://schemas.microsoft.com/office/drawing/2014/main" id="{29C52EDB-8D91-4A03-A68A-92069D5AA005}"/>
               </a:ext>
             </a:extLst>
           </p:cNvPr>
@@ -1458,7 +1452,7 @@
     </p:spTree>
     <p:extLst>
       <p:ext uri="{BB962C8B-B14F-4D97-AF65-F5344CB8AC3E}">
-        <p14:creationId xmlns:p14="http://schemas.microsoft.com/office/powerpoint/2010/main" val="3017444153"/>
+        <p14:creationId xmlns:p14="http://schemas.microsoft.com/office/powerpoint/2010/main" val="2673480359"/>
       </p:ext>
     </p:extLst>
   </p:cSld>
@@ -1496,7 +1490,7 @@
           <p:cNvPr id="2" name="Titre 1" hidden="1">
             <a:extLst>
               <a:ext uri="{FF2B5EF4-FFF2-40B4-BE49-F238E27FC236}">
-                <a16:creationId xmlns:a16="http://schemas.microsoft.com/office/drawing/2014/main" id="{3B74BE38-AD2C-45D9-B01C-FED20EBBF25F}"/>
+                <a16:creationId xmlns:a16="http://schemas.microsoft.com/office/drawing/2014/main" id="{AFBF4387-1A14-472D-A922-AC17A9666501}"/>
               </a:ext>
             </a:extLst>
           </p:cNvPr>
@@ -1517,7 +1511,6 @@
               <a:rPr lang="fr-FR"/>
               <a:t>Règles de codage et de documentation</a:t>
             </a:r>
-            <a:endParaRPr lang="fr-FR" dirty="0"/>
           </a:p>
         </p:txBody>
       </p:sp>
@@ -1526,7 +1519,7 @@
           <p:cNvPr id="3" name="Image 2">
             <a:extLst>
               <a:ext uri="{FF2B5EF4-FFF2-40B4-BE49-F238E27FC236}">
-                <a16:creationId xmlns:a16="http://schemas.microsoft.com/office/drawing/2014/main" id="{AEAC363A-0665-4E50-A8DD-F6837E0FE50F}"/>
+                <a16:creationId xmlns:a16="http://schemas.microsoft.com/office/drawing/2014/main" id="{D1A93FAD-A281-4F01-A161-08FC93DCFC0D}"/>
               </a:ext>
             </a:extLst>
           </p:cNvPr>
@@ -1552,7 +1545,7 @@
     </p:spTree>
     <p:extLst>
       <p:ext uri="{BB962C8B-B14F-4D97-AF65-F5344CB8AC3E}">
-        <p14:creationId xmlns:p14="http://schemas.microsoft.com/office/powerpoint/2010/main" val="2008875243"/>
+        <p14:creationId xmlns:p14="http://schemas.microsoft.com/office/powerpoint/2010/main" val="163545750"/>
       </p:ext>
     </p:extLst>
   </p:cSld>
@@ -1590,7 +1583,7 @@
           <p:cNvPr id="2" name="Titre 1" hidden="1">
             <a:extLst>
               <a:ext uri="{FF2B5EF4-FFF2-40B4-BE49-F238E27FC236}">
-                <a16:creationId xmlns:a16="http://schemas.microsoft.com/office/drawing/2014/main" id="{7DF5DD98-CD21-4224-B578-F5486857800F}"/>
+                <a16:creationId xmlns:a16="http://schemas.microsoft.com/office/drawing/2014/main" id="{162D2C54-A50D-4B13-8E05-C2565DB7DB59}"/>
               </a:ext>
             </a:extLst>
           </p:cNvPr>
@@ -1611,7 +1604,6 @@
               <a:rPr lang="fr-FR"/>
               <a:t>Organisation et méthodes de tests</a:t>
             </a:r>
-            <a:endParaRPr lang="fr-FR" dirty="0"/>
           </a:p>
         </p:txBody>
       </p:sp>
@@ -1620,7 +1612,7 @@
           <p:cNvPr id="3" name="Image 2">
             <a:extLst>
               <a:ext uri="{FF2B5EF4-FFF2-40B4-BE49-F238E27FC236}">
-                <a16:creationId xmlns:a16="http://schemas.microsoft.com/office/drawing/2014/main" id="{A563D515-7A94-4F9A-AACA-F8C03759E9CF}"/>
+                <a16:creationId xmlns:a16="http://schemas.microsoft.com/office/drawing/2014/main" id="{075D14F0-1940-45E4-A584-263FF7260632}"/>
               </a:ext>
             </a:extLst>
           </p:cNvPr>
@@ -1646,7 +1638,7 @@
     </p:spTree>
     <p:extLst>
       <p:ext uri="{BB962C8B-B14F-4D97-AF65-F5344CB8AC3E}">
-        <p14:creationId xmlns:p14="http://schemas.microsoft.com/office/powerpoint/2010/main" val="449625972"/>
+        <p14:creationId xmlns:p14="http://schemas.microsoft.com/office/powerpoint/2010/main" val="721196099"/>
       </p:ext>
     </p:extLst>
   </p:cSld>
@@ -1684,7 +1676,7 @@
           <p:cNvPr id="2" name="Titre 1" hidden="1">
             <a:extLst>
               <a:ext uri="{FF2B5EF4-FFF2-40B4-BE49-F238E27FC236}">
-                <a16:creationId xmlns:a16="http://schemas.microsoft.com/office/drawing/2014/main" id="{373D8E54-7FEC-498F-9E6D-AB3C1D13C7EF}"/>
+                <a16:creationId xmlns:a16="http://schemas.microsoft.com/office/drawing/2014/main" id="{EB2FC5A3-9D85-4C10-ACDF-A42FF728CE1A}"/>
               </a:ext>
             </a:extLst>
           </p:cNvPr>
@@ -1705,7 +1697,6 @@
               <a:rPr lang="fr-FR"/>
               <a:t>Gestion des versions en développement</a:t>
             </a:r>
-            <a:endParaRPr lang="fr-FR" dirty="0"/>
           </a:p>
         </p:txBody>
       </p:sp>
@@ -1714,7 +1705,7 @@
           <p:cNvPr id="3" name="Image 2">
             <a:extLst>
               <a:ext uri="{FF2B5EF4-FFF2-40B4-BE49-F238E27FC236}">
-                <a16:creationId xmlns:a16="http://schemas.microsoft.com/office/drawing/2014/main" id="{A50E9CAD-A55A-49A1-884A-66F7A65EBB26}"/>
+                <a16:creationId xmlns:a16="http://schemas.microsoft.com/office/drawing/2014/main" id="{89D1B28A-8A18-4FD4-B23E-BAAD78965014}"/>
               </a:ext>
             </a:extLst>
           </p:cNvPr>
@@ -1740,7 +1731,7 @@
     </p:spTree>
     <p:extLst>
       <p:ext uri="{BB962C8B-B14F-4D97-AF65-F5344CB8AC3E}">
-        <p14:creationId xmlns:p14="http://schemas.microsoft.com/office/powerpoint/2010/main" val="2371607171"/>
+        <p14:creationId xmlns:p14="http://schemas.microsoft.com/office/powerpoint/2010/main" val="524325588"/>
       </p:ext>
     </p:extLst>
   </p:cSld>
